--- a/Astronamics이승진(21011323).pptx
+++ b/Astronamics이승진(21011323).pptx
@@ -4058,7 +4058,7 @@
         </p:nvSpPr>
         <p:spPr>
           <a:xfrm>
-            <a:off x="1160106" y="606084"/>
+            <a:off x="1270098" y="928033"/>
             <a:ext cx="5327373" cy="2319996"/>
           </a:xfrm>
           <a:prstGeom prst="rect">
@@ -4240,6 +4240,13 @@
               </a:lnSpc>
             </a:pPr>
             <a:r>
+              <a:rPr lang="en-US" altLang="ko-KR" sz="1400" dirty="0">
+                <a:latin typeface="나눔스퀘어" panose="020B0600000101010101" pitchFamily="50" charset="-127"/>
+                <a:ea typeface="나눔스퀘어" panose="020B0600000101010101" pitchFamily="50" charset="-127"/>
+              </a:rPr>
+              <a:t> </a:t>
+            </a:r>
+            <a:r>
               <a:rPr lang="en-US" altLang="ko-KR" sz="1400" dirty="0" err="1">
                 <a:latin typeface="나눔스퀘어" panose="020B0600000101010101" pitchFamily="50" charset="-127"/>
                 <a:ea typeface="나눔스퀘어" panose="020B0600000101010101" pitchFamily="50" charset="-127"/>
@@ -4300,7 +4307,7 @@
                 <a:latin typeface="나눔스퀘어" panose="020B0600000101010101" pitchFamily="50" charset="-127"/>
                 <a:ea typeface="나눔스퀘어" panose="020B0600000101010101" pitchFamily="50" charset="-127"/>
               </a:rPr>
-              <a:t>단위는 </a:t>
+              <a:t> 단위는 </a:t>
             </a:r>
             <a:r>
               <a:rPr lang="en-US" altLang="ko-KR" sz="1400" dirty="0">
@@ -4345,6 +4352,13 @@
               </a:lnSpc>
             </a:pPr>
             <a:r>
+              <a:rPr lang="en-US" altLang="ko-KR" sz="1400" dirty="0">
+                <a:latin typeface="나눔스퀘어" panose="020B0600000101010101" pitchFamily="50" charset="-127"/>
+                <a:ea typeface="나눔스퀘어" panose="020B0600000101010101" pitchFamily="50" charset="-127"/>
+              </a:rPr>
+              <a:t> </a:t>
+            </a:r>
+            <a:r>
               <a:rPr lang="en-US" altLang="ko-KR" sz="1400" dirty="0" err="1">
                 <a:latin typeface="나눔스퀘어" panose="020B0600000101010101" pitchFamily="50" charset="-127"/>
                 <a:ea typeface="나눔스퀘어" panose="020B0600000101010101" pitchFamily="50" charset="-127"/>
@@ -4371,6 +4385,20 @@
                 <a:ea typeface="나눔스퀘어" panose="020B0600000101010101" pitchFamily="50" charset="-127"/>
               </a:rPr>
               <a:t>는 시간의 변화에 따른 위치 좌표들의 행렬을 의미합니다</a:t>
+            </a:r>
+            <a:r>
+              <a:rPr lang="en-US" altLang="ko-KR" sz="1400" dirty="0">
+                <a:latin typeface="나눔스퀘어" panose="020B0600000101010101" pitchFamily="50" charset="-127"/>
+                <a:ea typeface="나눔스퀘어" panose="020B0600000101010101" pitchFamily="50" charset="-127"/>
+              </a:rPr>
+              <a:t>. for</a:t>
+            </a:r>
+            <a:r>
+              <a:rPr lang="ko-KR" altLang="en-US" sz="1400" dirty="0">
+                <a:latin typeface="나눔스퀘어" panose="020B0600000101010101" pitchFamily="50" charset="-127"/>
+                <a:ea typeface="나눔스퀘어" panose="020B0600000101010101" pitchFamily="50" charset="-127"/>
+              </a:rPr>
+              <a:t>문안에서 행렬의 크기가 커지므로 미리 선언을 하였습니다</a:t>
             </a:r>
             <a:r>
               <a:rPr lang="en-US" altLang="ko-KR" sz="1400" dirty="0">
@@ -4391,7 +4419,7 @@
                 <a:latin typeface="나눔스퀘어" panose="020B0600000101010101" pitchFamily="50" charset="-127"/>
                 <a:ea typeface="나눔스퀘어" panose="020B0600000101010101" pitchFamily="50" charset="-127"/>
               </a:rPr>
-              <a:t>ground Track</a:t>
+              <a:t> ground Track</a:t>
             </a:r>
             <a:r>
               <a:rPr lang="ko-KR" altLang="en-US" sz="1400" dirty="0">
@@ -4401,32 +4429,11 @@
               <a:t>에 필요한 </a:t>
             </a:r>
             <a:r>
-              <a:rPr lang="en-US" altLang="ko-KR" sz="1400" dirty="0" err="1">
-                <a:latin typeface="나눔스퀘어" panose="020B0600000101010101" pitchFamily="50" charset="-127"/>
-                <a:ea typeface="나눔스퀘어" panose="020B0600000101010101" pitchFamily="50" charset="-127"/>
-              </a:rPr>
-              <a:t>lat</a:t>
-            </a:r>
-            <a:r>
               <a:rPr lang="en-US" altLang="ko-KR" sz="1400" dirty="0">
                 <a:latin typeface="나눔스퀘어" panose="020B0600000101010101" pitchFamily="50" charset="-127"/>
                 <a:ea typeface="나눔스퀘어" panose="020B0600000101010101" pitchFamily="50" charset="-127"/>
               </a:rPr>
-              <a:t>, </a:t>
-            </a:r>
-            <a:r>
-              <a:rPr lang="en-US" altLang="ko-KR" sz="1400" dirty="0" err="1">
-                <a:latin typeface="나눔스퀘어" panose="020B0600000101010101" pitchFamily="50" charset="-127"/>
-                <a:ea typeface="나눔스퀘어" panose="020B0600000101010101" pitchFamily="50" charset="-127"/>
-              </a:rPr>
-              <a:t>lon</a:t>
-            </a:r>
-            <a:r>
-              <a:rPr lang="en-US" altLang="ko-KR" sz="1400" dirty="0">
-                <a:latin typeface="나눔스퀘어" panose="020B0600000101010101" pitchFamily="50" charset="-127"/>
-                <a:ea typeface="나눔스퀘어" panose="020B0600000101010101" pitchFamily="50" charset="-127"/>
-              </a:rPr>
-              <a:t> </a:t>
+              <a:t>latitude, longitude </a:t>
             </a:r>
             <a:r>
               <a:rPr lang="ko-KR" altLang="en-US" sz="1400" dirty="0">
@@ -5050,13 +5057,13 @@
         </p:nvSpPr>
         <p:spPr>
           <a:xfrm>
-            <a:off x="8612713" y="1390811"/>
-            <a:ext cx="2942813" cy="3627120"/>
+            <a:off x="8637594" y="551582"/>
+            <a:ext cx="2942813" cy="5306008"/>
           </a:xfrm>
         </p:spPr>
         <p:txBody>
           <a:bodyPr>
-            <a:normAutofit/>
+            <a:normAutofit lnSpcReduction="10000"/>
           </a:bodyPr>
           <a:lstStyle/>
           <a:p>
@@ -5104,17 +5111,41 @@
             </a:r>
           </a:p>
           <a:p>
-            <a:endParaRPr lang="en-US" altLang="ko-KR" sz="1400" dirty="0">
-              <a:latin typeface="나눔스퀘어" panose="020B0600000101010101" pitchFamily="50" charset="-127"/>
-              <a:ea typeface="나눔스퀘어" panose="020B0600000101010101" pitchFamily="50" charset="-127"/>
-            </a:endParaRPr>
-          </a:p>
-          <a:p>
             <a:r>
               <a:rPr lang="ko-KR" altLang="en-US" sz="1400" dirty="0">
                 <a:latin typeface="나눔스퀘어" panose="020B0600000101010101" pitchFamily="50" charset="-127"/>
                 <a:ea typeface="나눔스퀘어" panose="020B0600000101010101" pitchFamily="50" charset="-127"/>
               </a:rPr>
+              <a:t>해당 코드는 </a:t>
+            </a:r>
+            <a:r>
+              <a:rPr lang="en-US" altLang="ko-KR" sz="1400" dirty="0">
+                <a:latin typeface="나눔스퀘어" panose="020B0600000101010101" pitchFamily="50" charset="-127"/>
+                <a:ea typeface="나눔스퀘어" panose="020B0600000101010101" pitchFamily="50" charset="-127"/>
+              </a:rPr>
+              <a:t>Term project 1</a:t>
+            </a:r>
+            <a:r>
+              <a:rPr lang="ko-KR" altLang="en-US" sz="1400" dirty="0">
+                <a:latin typeface="나눔스퀘어" panose="020B0600000101010101" pitchFamily="50" charset="-127"/>
+                <a:ea typeface="나눔스퀘어" panose="020B0600000101010101" pitchFamily="50" charset="-127"/>
+              </a:rPr>
+              <a:t>의 코드를 참고하여 작성하였습니다</a:t>
+            </a:r>
+            <a:r>
+              <a:rPr lang="en-US" altLang="ko-KR" sz="1400" dirty="0">
+                <a:latin typeface="나눔스퀘어" panose="020B0600000101010101" pitchFamily="50" charset="-127"/>
+                <a:ea typeface="나눔스퀘어" panose="020B0600000101010101" pitchFamily="50" charset="-127"/>
+              </a:rPr>
+              <a:t>. </a:t>
+            </a:r>
+          </a:p>
+          <a:p>
+            <a:r>
+              <a:rPr lang="ko-KR" altLang="en-US" sz="1400" dirty="0">
+                <a:latin typeface="나눔스퀘어" panose="020B0600000101010101" pitchFamily="50" charset="-127"/>
+                <a:ea typeface="나눔스퀘어" panose="020B0600000101010101" pitchFamily="50" charset="-127"/>
+              </a:rPr>
               <a:t>시간 변화에 따라 </a:t>
             </a:r>
             <a:r>
@@ -5129,14 +5160,14 @@
                 <a:latin typeface="나눔스퀘어" panose="020B0600000101010101" pitchFamily="50" charset="-127"/>
                 <a:ea typeface="나눔스퀘어" panose="020B0600000101010101" pitchFamily="50" charset="-127"/>
               </a:rPr>
-              <a:t>값이 변하며</a:t>
+              <a:t>값을 </a:t>
             </a:r>
             <a:r>
               <a:rPr lang="en-US" altLang="ko-KR" sz="1400" dirty="0">
                 <a:latin typeface="나눔스퀘어" panose="020B0600000101010101" pitchFamily="50" charset="-127"/>
                 <a:ea typeface="나눔스퀘어" panose="020B0600000101010101" pitchFamily="50" charset="-127"/>
               </a:rPr>
-              <a:t> iteration</a:t>
+              <a:t>iteration</a:t>
             </a:r>
             <a:r>
               <a:rPr lang="ko-KR" altLang="en-US" sz="1400" dirty="0">
@@ -5157,21 +5188,84 @@
                 <a:latin typeface="나눔스퀘어" panose="020B0600000101010101" pitchFamily="50" charset="-127"/>
                 <a:ea typeface="나눔스퀘어" panose="020B0600000101010101" pitchFamily="50" charset="-127"/>
               </a:rPr>
-              <a:t>값의 근사치를 얻어내어 </a:t>
+              <a:t>값의 근사치를 얻어낸다</a:t>
             </a:r>
             <a:r>
               <a:rPr lang="en-US" altLang="ko-KR" sz="1400" dirty="0">
                 <a:latin typeface="나눔스퀘어" panose="020B0600000101010101" pitchFamily="50" charset="-127"/>
                 <a:ea typeface="나눔스퀘어" panose="020B0600000101010101" pitchFamily="50" charset="-127"/>
               </a:rPr>
-              <a:t>true </a:t>
+              <a:t>.</a:t>
+            </a:r>
+            <a:r>
+              <a:rPr lang="ko-KR" altLang="en-US" sz="1400" dirty="0">
+                <a:latin typeface="나눔스퀘어" panose="020B0600000101010101" pitchFamily="50" charset="-127"/>
+                <a:ea typeface="나눔스퀘어" panose="020B0600000101010101" pitchFamily="50" charset="-127"/>
+              </a:rPr>
+              <a:t> </a:t>
+            </a:r>
+            <a:r>
+              <a:rPr lang="en-US" altLang="ko-KR" sz="1400" dirty="0">
+                <a:latin typeface="나눔스퀘어" panose="020B0600000101010101" pitchFamily="50" charset="-127"/>
+                <a:ea typeface="나눔스퀘어" panose="020B0600000101010101" pitchFamily="50" charset="-127"/>
+              </a:rPr>
+              <a:t>E </a:t>
+            </a:r>
+            <a:r>
+              <a:rPr lang="ko-KR" altLang="en-US" sz="1400" dirty="0">
+                <a:latin typeface="나눔스퀘어" panose="020B0600000101010101" pitchFamily="50" charset="-127"/>
+                <a:ea typeface="나눔스퀘어" panose="020B0600000101010101" pitchFamily="50" charset="-127"/>
+              </a:rPr>
+              <a:t>값과 </a:t>
+            </a:r>
+            <a:r>
+              <a:rPr lang="en-US" altLang="ko-KR" sz="1400" dirty="0">
+                <a:latin typeface="나눔스퀘어" panose="020B0600000101010101" pitchFamily="50" charset="-127"/>
+                <a:ea typeface="나눔스퀘어" panose="020B0600000101010101" pitchFamily="50" charset="-127"/>
+              </a:rPr>
+              <a:t>eccentricity</a:t>
+            </a:r>
+            <a:r>
+              <a:rPr lang="ko-KR" altLang="en-US" sz="1400" dirty="0">
+                <a:latin typeface="나눔스퀘어" panose="020B0600000101010101" pitchFamily="50" charset="-127"/>
+                <a:ea typeface="나눔스퀘어" panose="020B0600000101010101" pitchFamily="50" charset="-127"/>
+              </a:rPr>
+              <a:t>를 이용하여 </a:t>
+            </a:r>
+            <a:r>
+              <a:rPr lang="en-US" altLang="ko-KR" sz="1400" dirty="0">
+                <a:latin typeface="나눔스퀘어" panose="020B0600000101010101" pitchFamily="50" charset="-127"/>
+                <a:ea typeface="나눔스퀘어" panose="020B0600000101010101" pitchFamily="50" charset="-127"/>
+              </a:rPr>
+              <a:t>true anomaly </a:t>
+            </a:r>
+            <a:r>
+              <a:rPr lang="ko-KR" altLang="en-US" sz="1400" dirty="0">
+                <a:latin typeface="나눔스퀘어" panose="020B0600000101010101" pitchFamily="50" charset="-127"/>
+                <a:ea typeface="나눔스퀘어" panose="020B0600000101010101" pitchFamily="50" charset="-127"/>
+              </a:rPr>
+              <a:t>값을 저장합니다</a:t>
+            </a:r>
+            <a:r>
+              <a:rPr lang="en-US" altLang="ko-KR" sz="1400" dirty="0">
+                <a:latin typeface="나눔스퀘어" panose="020B0600000101010101" pitchFamily="50" charset="-127"/>
+                <a:ea typeface="나눔스퀘어" panose="020B0600000101010101" pitchFamily="50" charset="-127"/>
+              </a:rPr>
+              <a:t>.</a:t>
+            </a:r>
+            <a:r>
+              <a:rPr lang="ko-KR" altLang="en-US" sz="1400" dirty="0">
+                <a:latin typeface="나눔스퀘어" panose="020B0600000101010101" pitchFamily="50" charset="-127"/>
+                <a:ea typeface="나눔스퀘어" panose="020B0600000101010101" pitchFamily="50" charset="-127"/>
+              </a:rPr>
+              <a:t> 이를 이용하여 </a:t>
             </a:r>
             <a:r>
               <a:rPr lang="en-US" altLang="ko-KR" sz="1400" dirty="0" err="1">
                 <a:latin typeface="나눔스퀘어" panose="020B0600000101010101" pitchFamily="50" charset="-127"/>
                 <a:ea typeface="나눔스퀘어" panose="020B0600000101010101" pitchFamily="50" charset="-127"/>
               </a:rPr>
-              <a:t>anomoly</a:t>
+              <a:t>PQW_pos</a:t>
             </a:r>
             <a:r>
               <a:rPr lang="en-US" altLang="ko-KR" sz="1400" dirty="0">
@@ -5185,7 +5279,100 @@
                 <a:latin typeface="나눔스퀘어" panose="020B0600000101010101" pitchFamily="50" charset="-127"/>
                 <a:ea typeface="나눔스퀘어" panose="020B0600000101010101" pitchFamily="50" charset="-127"/>
               </a:rPr>
-              <a:t>값을 얻어내어 위성을 위치 좌표를 행렬식으로 저장합니다</a:t>
+              <a:t>값인 위성을 위치 </a:t>
+            </a:r>
+            <a:r>
+              <a:rPr lang="en-US" altLang="ko-KR" sz="1400" dirty="0">
+                <a:latin typeface="나눔스퀘어" panose="020B0600000101010101" pitchFamily="50" charset="-127"/>
+                <a:ea typeface="나눔스퀘어" panose="020B0600000101010101" pitchFamily="50" charset="-127"/>
+              </a:rPr>
+              <a:t>Perifocal Frame </a:t>
+            </a:r>
+            <a:r>
+              <a:rPr lang="ko-KR" altLang="en-US" sz="1400" dirty="0">
+                <a:latin typeface="나눔스퀘어" panose="020B0600000101010101" pitchFamily="50" charset="-127"/>
+                <a:ea typeface="나눔스퀘어" panose="020B0600000101010101" pitchFamily="50" charset="-127"/>
+              </a:rPr>
+              <a:t>상의 좌표를 행렬식으로 구할 수 있습니다</a:t>
+            </a:r>
+            <a:r>
+              <a:rPr lang="en-US" altLang="ko-KR" sz="1400" dirty="0">
+                <a:latin typeface="나눔스퀘어" panose="020B0600000101010101" pitchFamily="50" charset="-127"/>
+                <a:ea typeface="나눔스퀘어" panose="020B0600000101010101" pitchFamily="50" charset="-127"/>
+              </a:rPr>
+              <a:t>.</a:t>
+            </a:r>
+          </a:p>
+          <a:p>
+            <a:r>
+              <a:rPr lang="ko-KR" altLang="en-US" sz="1400" dirty="0">
+                <a:latin typeface="나눔스퀘어" panose="020B0600000101010101" pitchFamily="50" charset="-127"/>
+                <a:ea typeface="나눔스퀘어" panose="020B0600000101010101" pitchFamily="50" charset="-127"/>
+              </a:rPr>
+              <a:t>이를 </a:t>
+            </a:r>
+            <a:r>
+              <a:rPr lang="en-US" altLang="ko-KR" sz="1400" dirty="0">
+                <a:latin typeface="나눔스퀘어" panose="020B0600000101010101" pitchFamily="50" charset="-127"/>
+                <a:ea typeface="나눔스퀘어" panose="020B0600000101010101" pitchFamily="50" charset="-127"/>
+              </a:rPr>
+              <a:t>DCM </a:t>
+            </a:r>
+            <a:r>
+              <a:rPr lang="en-US" altLang="ko-KR" sz="1400" dirty="0" err="1">
+                <a:latin typeface="나눔스퀘어" panose="020B0600000101010101" pitchFamily="50" charset="-127"/>
+                <a:ea typeface="나눔스퀘어" panose="020B0600000101010101" pitchFamily="50" charset="-127"/>
+              </a:rPr>
+              <a:t>matri</a:t>
+            </a:r>
+            <a:r>
+              <a:rPr lang="ko-KR" altLang="en-US" sz="1400" dirty="0">
+                <a:latin typeface="나눔스퀘어" panose="020B0600000101010101" pitchFamily="50" charset="-127"/>
+                <a:ea typeface="나눔스퀘어" panose="020B0600000101010101" pitchFamily="50" charset="-127"/>
+              </a:rPr>
+              <a:t>를 이용하여 </a:t>
+            </a:r>
+            <a:r>
+              <a:rPr lang="en-US" altLang="ko-KR" sz="1400" dirty="0" err="1">
+                <a:latin typeface="나눔스퀘어" panose="020B0600000101010101" pitchFamily="50" charset="-127"/>
+                <a:ea typeface="나눔스퀘어" panose="020B0600000101010101" pitchFamily="50" charset="-127"/>
+              </a:rPr>
+              <a:t>ECI_pos</a:t>
+            </a:r>
+            <a:r>
+              <a:rPr lang="en-US" altLang="ko-KR" sz="1400" dirty="0">
+                <a:latin typeface="나눔스퀘어" panose="020B0600000101010101" pitchFamily="50" charset="-127"/>
+                <a:ea typeface="나눔스퀘어" panose="020B0600000101010101" pitchFamily="50" charset="-127"/>
+              </a:rPr>
+              <a:t> </a:t>
+            </a:r>
+            <a:r>
+              <a:rPr lang="ko-KR" altLang="en-US" sz="1400" dirty="0">
+                <a:latin typeface="나눔스퀘어" panose="020B0600000101010101" pitchFamily="50" charset="-127"/>
+                <a:ea typeface="나눔스퀘어" panose="020B0600000101010101" pitchFamily="50" charset="-127"/>
+              </a:rPr>
+              <a:t>값과 </a:t>
+            </a:r>
+            <a:r>
+              <a:rPr lang="en-US" altLang="ko-KR" sz="1400" dirty="0" err="1">
+                <a:latin typeface="나눔스퀘어" panose="020B0600000101010101" pitchFamily="50" charset="-127"/>
+                <a:ea typeface="나눔스퀘어" panose="020B0600000101010101" pitchFamily="50" charset="-127"/>
+              </a:rPr>
+              <a:t>ECEF_pos</a:t>
+            </a:r>
+            <a:r>
+              <a:rPr lang="en-US" altLang="ko-KR" sz="1400" dirty="0">
+                <a:latin typeface="나눔스퀘어" panose="020B0600000101010101" pitchFamily="50" charset="-127"/>
+                <a:ea typeface="나눔스퀘어" panose="020B0600000101010101" pitchFamily="50" charset="-127"/>
+              </a:rPr>
+              <a:t> </a:t>
+            </a:r>
+            <a:r>
+              <a:rPr lang="ko-KR" altLang="en-US" sz="1400" dirty="0">
+                <a:latin typeface="나눔스퀘어" panose="020B0600000101010101" pitchFamily="50" charset="-127"/>
+                <a:ea typeface="나눔스퀘어" panose="020B0600000101010101" pitchFamily="50" charset="-127"/>
+              </a:rPr>
+              <a:t>값을  행렬로 저장합니다</a:t>
             </a:r>
             <a:r>
               <a:rPr lang="en-US" altLang="ko-KR" sz="1400" dirty="0">
@@ -6085,7 +6272,12 @@
             <p:ph type="title"/>
           </p:nvPr>
         </p:nvSpPr>
-        <p:spPr/>
+        <p:spPr>
+          <a:xfrm>
+            <a:off x="979091" y="268950"/>
+            <a:ext cx="10233817" cy="695214"/>
+          </a:xfrm>
+        </p:spPr>
         <p:txBody>
           <a:bodyPr/>
           <a:lstStyle/>
@@ -6096,7 +6288,7 @@
                 <a:latin typeface="나눔스퀘어" panose="020B0600000101010101" pitchFamily="50" charset="-127"/>
                 <a:ea typeface="나눔스퀘어" panose="020B0600000101010101" pitchFamily="50" charset="-127"/>
               </a:rPr>
-              <a:t>결과</a:t>
+              <a:t>결 과</a:t>
             </a:r>
           </a:p>
         </p:txBody>
@@ -6125,7 +6317,7 @@
         </p:blipFill>
         <p:spPr>
           <a:xfrm>
-            <a:off x="351451" y="2824065"/>
+            <a:off x="351451" y="1723058"/>
             <a:ext cx="3615490" cy="2818915"/>
           </a:xfrm>
         </p:spPr>
@@ -6152,7 +6344,7 @@
         </p:blipFill>
         <p:spPr>
           <a:xfrm>
-            <a:off x="4288256" y="2824065"/>
+            <a:off x="4288256" y="1723058"/>
             <a:ext cx="3615489" cy="2818914"/>
           </a:xfrm>
           <a:prstGeom prst="rect">
@@ -6182,7 +6374,7 @@
         </p:blipFill>
         <p:spPr>
           <a:xfrm>
-            <a:off x="8225060" y="2824065"/>
+            <a:off x="8225060" y="1723058"/>
             <a:ext cx="3615489" cy="2818914"/>
           </a:xfrm>
           <a:prstGeom prst="rect">
@@ -6190,6 +6382,150 @@
           </a:prstGeom>
         </p:spPr>
       </p:pic>
+      <p:sp>
+        <p:nvSpPr>
+          <p:cNvPr id="3" name="TextBox 2">
+            <a:extLst>
+              <a:ext uri="{FF2B5EF4-FFF2-40B4-BE49-F238E27FC236}">
+                <a16:creationId xmlns:a16="http://schemas.microsoft.com/office/drawing/2014/main" id="{52C1B1D6-0931-6F13-F973-746C0B72BB8E}"/>
+              </a:ext>
+            </a:extLst>
+          </p:cNvPr>
+          <p:cNvSpPr txBox="1"/>
+          <p:nvPr/>
+        </p:nvSpPr>
+        <p:spPr>
+          <a:xfrm>
+            <a:off x="1857671" y="1160005"/>
+            <a:ext cx="603050" cy="369332"/>
+          </a:xfrm>
+          <a:prstGeom prst="rect">
+            <a:avLst/>
+          </a:prstGeom>
+          <a:noFill/>
+        </p:spPr>
+        <p:txBody>
+          <a:bodyPr wrap="none" rtlCol="0">
+            <a:spAutoFit/>
+          </a:bodyPr>
+          <a:lstStyle/>
+          <a:p>
+            <a:r>
+              <a:rPr lang="en-US" altLang="ko-KR" dirty="0"/>
+              <a:t>GPS</a:t>
+            </a:r>
+            <a:endParaRPr lang="ko-KR" altLang="en-US" dirty="0"/>
+          </a:p>
+        </p:txBody>
+      </p:sp>
+      <p:sp>
+        <p:nvSpPr>
+          <p:cNvPr id="4" name="TextBox 3">
+            <a:extLst>
+              <a:ext uri="{FF2B5EF4-FFF2-40B4-BE49-F238E27FC236}">
+                <a16:creationId xmlns:a16="http://schemas.microsoft.com/office/drawing/2014/main" id="{9376E109-EC01-24D5-12A4-7B4B0551AA4A}"/>
+              </a:ext>
+            </a:extLst>
+          </p:cNvPr>
+          <p:cNvSpPr txBox="1"/>
+          <p:nvPr/>
+        </p:nvSpPr>
+        <p:spPr>
+          <a:xfrm>
+            <a:off x="5725321" y="1160005"/>
+            <a:ext cx="741357" cy="369332"/>
+          </a:xfrm>
+          <a:prstGeom prst="rect">
+            <a:avLst/>
+          </a:prstGeom>
+          <a:noFill/>
+        </p:spPr>
+        <p:txBody>
+          <a:bodyPr wrap="none" rtlCol="0">
+            <a:spAutoFit/>
+          </a:bodyPr>
+          <a:lstStyle/>
+          <a:p>
+            <a:r>
+              <a:rPr lang="en-US" altLang="ko-KR" dirty="0"/>
+              <a:t>QZSS</a:t>
+            </a:r>
+            <a:endParaRPr lang="ko-KR" altLang="en-US" dirty="0"/>
+          </a:p>
+        </p:txBody>
+      </p:sp>
+      <p:sp>
+        <p:nvSpPr>
+          <p:cNvPr id="5" name="TextBox 4">
+            <a:extLst>
+              <a:ext uri="{FF2B5EF4-FFF2-40B4-BE49-F238E27FC236}">
+                <a16:creationId xmlns:a16="http://schemas.microsoft.com/office/drawing/2014/main" id="{EAC6AD02-84ED-F9C5-9121-FE3758DD3DE8}"/>
+              </a:ext>
+            </a:extLst>
+          </p:cNvPr>
+          <p:cNvSpPr txBox="1"/>
+          <p:nvPr/>
+        </p:nvSpPr>
+        <p:spPr>
+          <a:xfrm>
+            <a:off x="9724867" y="1160005"/>
+            <a:ext cx="609462" cy="369332"/>
+          </a:xfrm>
+          <a:prstGeom prst="rect">
+            <a:avLst/>
+          </a:prstGeom>
+          <a:noFill/>
+        </p:spPr>
+        <p:txBody>
+          <a:bodyPr wrap="none" rtlCol="0">
+            <a:spAutoFit/>
+          </a:bodyPr>
+          <a:lstStyle/>
+          <a:p>
+            <a:r>
+              <a:rPr lang="en-US" altLang="ko-KR" dirty="0"/>
+              <a:t>BDS</a:t>
+            </a:r>
+            <a:endParaRPr lang="ko-KR" altLang="en-US" dirty="0"/>
+          </a:p>
+        </p:txBody>
+      </p:sp>
+      <p:sp>
+        <p:nvSpPr>
+          <p:cNvPr id="6" name="TextBox 5">
+            <a:extLst>
+              <a:ext uri="{FF2B5EF4-FFF2-40B4-BE49-F238E27FC236}">
+                <a16:creationId xmlns:a16="http://schemas.microsoft.com/office/drawing/2014/main" id="{BD4212ED-8A83-16E5-4A04-F7EB63C205D9}"/>
+              </a:ext>
+            </a:extLst>
+          </p:cNvPr>
+          <p:cNvSpPr txBox="1"/>
+          <p:nvPr/>
+        </p:nvSpPr>
+        <p:spPr>
+          <a:xfrm>
+            <a:off x="5797420" y="5480180"/>
+            <a:ext cx="565861" cy="369332"/>
+          </a:xfrm>
+          <a:prstGeom prst="rect">
+            <a:avLst/>
+          </a:prstGeom>
+          <a:noFill/>
+        </p:spPr>
+        <p:txBody>
+          <a:bodyPr wrap="none" rtlCol="0">
+            <a:spAutoFit/>
+          </a:bodyPr>
+          <a:lstStyle/>
+          <a:p>
+            <a:r>
+              <a:rPr lang="en-US" altLang="ko-KR"/>
+              <a:t>test</a:t>
+            </a:r>
+            <a:endParaRPr lang="ko-KR" altLang="en-US"/>
+          </a:p>
+        </p:txBody>
+      </p:sp>
     </p:spTree>
     <p:extLst>
       <p:ext uri="{BB962C8B-B14F-4D97-AF65-F5344CB8AC3E}">
@@ -6333,8 +6669,8 @@
           <a:lstStyle/>
           <a:p>
             <a:r>
-              <a:rPr lang="ko-KR" altLang="en-US"/>
-              <a:t>결과분석</a:t>
+              <a:rPr lang="ko-KR" altLang="en-US" dirty="0"/>
+              <a:t>결 과 분 석</a:t>
             </a:r>
           </a:p>
         </p:txBody>
@@ -6379,9 +6715,39 @@
               <a:t>에서 나온 결과를 비교한 결과 상이함을 알 수 있다</a:t>
             </a:r>
             <a:r>
-              <a:rPr lang="en-US" altLang="ko-KR" sz="1600"/>
+              <a:rPr lang="en-US" altLang="ko-KR" sz="1600" dirty="0"/>
               <a:t>.</a:t>
             </a:r>
+          </a:p>
+          <a:p>
+            <a:pPr marL="0" indent="0">
+              <a:buNone/>
+            </a:pPr>
+            <a:r>
+              <a:rPr lang="ko-KR" altLang="en-US" sz="1600" dirty="0"/>
+              <a:t>그 이유로는 </a:t>
+            </a:r>
+            <a:endParaRPr lang="en-US" altLang="ko-KR" sz="1600" dirty="0"/>
+          </a:p>
+          <a:p>
+            <a:pPr marL="0" indent="0">
+              <a:buNone/>
+            </a:pPr>
+            <a:r>
+              <a:rPr lang="ko-KR" altLang="en-US" sz="1600" dirty="0"/>
+              <a:t>첫 번째</a:t>
+            </a:r>
+            <a:endParaRPr lang="en-US" altLang="ko-KR" sz="1600" dirty="0"/>
+          </a:p>
+          <a:p>
+            <a:pPr marL="0" indent="0">
+              <a:buNone/>
+            </a:pPr>
+            <a:r>
+              <a:rPr lang="ko-KR" altLang="en-US" sz="1600" dirty="0"/>
+              <a:t>두 번째</a:t>
+            </a:r>
+            <a:endParaRPr lang="en-US" altLang="ko-KR" sz="1600" dirty="0"/>
           </a:p>
           <a:p>
             <a:pPr marL="0" indent="0">

--- a/Astronamics이승진(21011323).pptx
+++ b/Astronamics이승진(21011323).pptx
@@ -5672,155 +5672,6 @@
           </a:p>
         </p:txBody>
       </p:sp>
-      <p:pic>
-        <p:nvPicPr>
-          <p:cNvPr id="7" name="내용 개체 틀 6">
-            <a:extLst>
-              <a:ext uri="{FF2B5EF4-FFF2-40B4-BE49-F238E27FC236}">
-                <a16:creationId xmlns:a16="http://schemas.microsoft.com/office/drawing/2014/main" id="{22B1E581-7404-3BD5-0D8F-27467E290EFF}"/>
-              </a:ext>
-            </a:extLst>
-          </p:cNvPr>
-          <p:cNvPicPr>
-            <a:picLocks noGrp="1" noChangeAspect="1"/>
-          </p:cNvPicPr>
-          <p:nvPr>
-            <p:ph idx="1"/>
-          </p:nvPr>
-        </p:nvPicPr>
-        <p:blipFill>
-          <a:blip r:embed="rId2"/>
-          <a:stretch>
-            <a:fillRect/>
-          </a:stretch>
-        </p:blipFill>
-        <p:spPr>
-          <a:xfrm>
-            <a:off x="157688" y="3291840"/>
-            <a:ext cx="5830492" cy="2527661"/>
-          </a:xfrm>
-          <a:prstGeom prst="rect">
-            <a:avLst/>
-          </a:prstGeom>
-        </p:spPr>
-      </p:pic>
-      <p:sp>
-        <p:nvSpPr>
-          <p:cNvPr id="9" name="TextBox 8">
-            <a:extLst>
-              <a:ext uri="{FF2B5EF4-FFF2-40B4-BE49-F238E27FC236}">
-                <a16:creationId xmlns:a16="http://schemas.microsoft.com/office/drawing/2014/main" id="{DDA1BFBF-6804-4CC9-2D37-D26F6A24C6C9}"/>
-              </a:ext>
-            </a:extLst>
-          </p:cNvPr>
-          <p:cNvSpPr txBox="1"/>
-          <p:nvPr/>
-        </p:nvSpPr>
-        <p:spPr>
-          <a:xfrm>
-            <a:off x="6406338" y="4037076"/>
-            <a:ext cx="5785658" cy="1624651"/>
-          </a:xfrm>
-          <a:prstGeom prst="rect">
-            <a:avLst/>
-          </a:prstGeom>
-        </p:spPr>
-        <p:txBody>
-          <a:bodyPr vert="horz" lIns="0" tIns="0" rIns="0" bIns="0" rtlCol="0" anchor="t">
-            <a:normAutofit/>
-          </a:bodyPr>
-          <a:lstStyle/>
-          <a:p>
-            <a:pPr indent="-228600" latinLnBrk="0">
-              <a:lnSpc>
-                <a:spcPct val="120000"/>
-              </a:lnSpc>
-              <a:spcAft>
-                <a:spcPts val="600"/>
-              </a:spcAft>
-              <a:buFont typeface="Arial" panose="020B0604020202020204" pitchFamily="34" charset="0"/>
-              <a:buChar char="•"/>
-            </a:pPr>
-            <a:r>
-              <a:rPr lang="en-US" altLang="ko-KR" sz="1400" dirty="0">
-                <a:latin typeface="나눔스퀘어" panose="020B0600000101010101" pitchFamily="50" charset="-127"/>
-                <a:ea typeface="나눔스퀘어" panose="020B0600000101010101" pitchFamily="50" charset="-127"/>
-              </a:rPr>
-              <a:t>Ground Track </a:t>
-            </a:r>
-            <a:r>
-              <a:rPr lang="ko-KR" altLang="en-US" sz="1400" dirty="0">
-                <a:latin typeface="나눔스퀘어" panose="020B0600000101010101" pitchFamily="50" charset="-127"/>
-                <a:ea typeface="나눔스퀘어" panose="020B0600000101010101" pitchFamily="50" charset="-127"/>
-              </a:rPr>
-              <a:t>출력 시 </a:t>
-            </a:r>
-            <a:r>
-              <a:rPr lang="en-US" altLang="ko-KR" sz="1400" dirty="0">
-                <a:latin typeface="나눔스퀘어" panose="020B0600000101010101" pitchFamily="50" charset="-127"/>
-                <a:ea typeface="나눔스퀘어" panose="020B0600000101010101" pitchFamily="50" charset="-127"/>
-              </a:rPr>
-              <a:t>-170</a:t>
-            </a:r>
-            <a:r>
-              <a:rPr lang="ko-KR" altLang="en-US" sz="1400" dirty="0">
-                <a:latin typeface="나눔스퀘어" panose="020B0600000101010101" pitchFamily="50" charset="-127"/>
-                <a:ea typeface="나눔스퀘어" panose="020B0600000101010101" pitchFamily="50" charset="-127"/>
-              </a:rPr>
-              <a:t>도에서 </a:t>
-            </a:r>
-            <a:r>
-              <a:rPr lang="en-US" altLang="ko-KR" sz="1400" dirty="0">
-                <a:latin typeface="나눔스퀘어" panose="020B0600000101010101" pitchFamily="50" charset="-127"/>
-                <a:ea typeface="나눔스퀘어" panose="020B0600000101010101" pitchFamily="50" charset="-127"/>
-              </a:rPr>
-              <a:t>170</a:t>
-            </a:r>
-            <a:r>
-              <a:rPr lang="ko-KR" altLang="en-US" sz="1400" dirty="0">
-                <a:latin typeface="나눔스퀘어" panose="020B0600000101010101" pitchFamily="50" charset="-127"/>
-                <a:ea typeface="나눔스퀘어" panose="020B0600000101010101" pitchFamily="50" charset="-127"/>
-              </a:rPr>
-              <a:t>도 사이로 이동할 때 직선이 생기는 오류가 나타난다</a:t>
-            </a:r>
-            <a:r>
-              <a:rPr lang="en-US" altLang="ko-KR" sz="1400" dirty="0">
-                <a:latin typeface="나눔스퀘어" panose="020B0600000101010101" pitchFamily="50" charset="-127"/>
-                <a:ea typeface="나눔스퀘어" panose="020B0600000101010101" pitchFamily="50" charset="-127"/>
-              </a:rPr>
-              <a:t>. </a:t>
-            </a:r>
-            <a:r>
-              <a:rPr lang="ko-KR" altLang="en-US" sz="1400" dirty="0">
-                <a:latin typeface="나눔스퀘어" panose="020B0600000101010101" pitchFamily="50" charset="-127"/>
-                <a:ea typeface="나눔스퀘어" panose="020B0600000101010101" pitchFamily="50" charset="-127"/>
-              </a:rPr>
-              <a:t>이때의 오류를 잡기 위해 코드처럼 해당 지점 기준으로 나누어 </a:t>
-            </a:r>
-            <a:r>
-              <a:rPr lang="en-US" altLang="ko-KR" sz="1400" dirty="0">
-                <a:latin typeface="나눔스퀘어" panose="020B0600000101010101" pitchFamily="50" charset="-127"/>
-                <a:ea typeface="나눔스퀘어" panose="020B0600000101010101" pitchFamily="50" charset="-127"/>
-              </a:rPr>
-              <a:t>plot</a:t>
-            </a:r>
-            <a:r>
-              <a:rPr lang="ko-KR" altLang="en-US" sz="1400" dirty="0">
-                <a:latin typeface="나눔스퀘어" panose="020B0600000101010101" pitchFamily="50" charset="-127"/>
-                <a:ea typeface="나눔스퀘어" panose="020B0600000101010101" pitchFamily="50" charset="-127"/>
-              </a:rPr>
-              <a:t>을 합니다</a:t>
-            </a:r>
-            <a:r>
-              <a:rPr lang="en-US" altLang="ko-KR" sz="1400" dirty="0">
-                <a:latin typeface="나눔스퀘어" panose="020B0600000101010101" pitchFamily="50" charset="-127"/>
-                <a:ea typeface="나눔스퀘어" panose="020B0600000101010101" pitchFamily="50" charset="-127"/>
-              </a:rPr>
-              <a:t>.</a:t>
-            </a:r>
-          </a:p>
-        </p:txBody>
-      </p:sp>
       <p:sp>
         <p:nvSpPr>
           <p:cNvPr id="19" name="Rectangle 18">
@@ -5985,6 +5836,38 @@
           <p:nvPr/>
         </p:nvPicPr>
         <p:blipFill>
+          <a:blip r:embed="rId2"/>
+          <a:stretch>
+            <a:fillRect/>
+          </a:stretch>
+        </p:blipFill>
+        <p:spPr>
+          <a:xfrm>
+            <a:off x="0" y="417864"/>
+            <a:ext cx="5881862" cy="1588791"/>
+          </a:xfrm>
+          <a:prstGeom prst="rect">
+            <a:avLst/>
+          </a:prstGeom>
+        </p:spPr>
+      </p:pic>
+      <p:pic>
+        <p:nvPicPr>
+          <p:cNvPr id="8" name="내용 개체 틀 7">
+            <a:extLst>
+              <a:ext uri="{FF2B5EF4-FFF2-40B4-BE49-F238E27FC236}">
+                <a16:creationId xmlns:a16="http://schemas.microsoft.com/office/drawing/2014/main" id="{CAEB67D3-995F-B187-FDF8-4170A3C559FD}"/>
+              </a:ext>
+            </a:extLst>
+          </p:cNvPr>
+          <p:cNvPicPr>
+            <a:picLocks noGrp="1" noChangeAspect="1"/>
+          </p:cNvPicPr>
+          <p:nvPr>
+            <p:ph idx="1"/>
+          </p:nvPr>
+        </p:nvPicPr>
+        <p:blipFill>
           <a:blip r:embed="rId3"/>
           <a:stretch>
             <a:fillRect/>
@@ -5992,12 +5875,9 @@
         </p:blipFill>
         <p:spPr>
           <a:xfrm>
-            <a:off x="58628" y="177912"/>
-            <a:ext cx="7127312" cy="1925208"/>
+            <a:off x="0" y="2358560"/>
+            <a:ext cx="6554924" cy="3959225"/>
           </a:xfrm>
-          <a:prstGeom prst="rect">
-            <a:avLst/>
-          </a:prstGeom>
         </p:spPr>
       </p:pic>
       <p:sp>
@@ -6014,8 +5894,8 @@
         </p:nvSpPr>
         <p:spPr>
           <a:xfrm>
-            <a:off x="7418209" y="417864"/>
-            <a:ext cx="4541521" cy="1384995"/>
+            <a:off x="6310140" y="530281"/>
+            <a:ext cx="4541521" cy="1600438"/>
           </a:xfrm>
           <a:prstGeom prst="rect">
             <a:avLst/>
@@ -6028,6 +5908,10 @@
           </a:bodyPr>
           <a:lstStyle/>
           <a:p>
+            <a:pPr marL="285750" indent="-285750">
+              <a:buFont typeface="Arial" panose="020B0604020202020204" pitchFamily="34" charset="0"/>
+              <a:buChar char="•"/>
+            </a:pPr>
             <a:r>
               <a:rPr lang="en-US" altLang="ko-KR" sz="1400" dirty="0" err="1">
                 <a:latin typeface="나눔스퀘어" panose="020B0600000101010101" pitchFamily="50" charset="-127"/>
@@ -6121,12 +6005,20 @@
             </a:r>
           </a:p>
           <a:p>
+            <a:pPr marL="285750" indent="-285750">
+              <a:buFont typeface="Arial" panose="020B0604020202020204" pitchFamily="34" charset="0"/>
+              <a:buChar char="•"/>
+            </a:pPr>
             <a:endParaRPr lang="en-US" altLang="ko-KR" sz="1400" dirty="0">
               <a:latin typeface="나눔스퀘어" panose="020B0600000101010101" pitchFamily="50" charset="-127"/>
               <a:ea typeface="나눔스퀘어" panose="020B0600000101010101" pitchFamily="50" charset="-127"/>
             </a:endParaRPr>
           </a:p>
           <a:p>
+            <a:pPr marL="285750" indent="-285750">
+              <a:buFont typeface="Arial" panose="020B0604020202020204" pitchFamily="34" charset="0"/>
+              <a:buChar char="•"/>
+            </a:pPr>
             <a:r>
               <a:rPr lang="ko-KR" altLang="en-US" sz="1400" dirty="0">
                 <a:latin typeface="나눔스퀘어" panose="020B0600000101010101" pitchFamily="50" charset="-127"/>
@@ -6162,38 +6054,178 @@
               </a:rPr>
               <a:t>도를 넘는 구간이 있어</a:t>
             </a:r>
+            <a:r>
+              <a:rPr lang="en-US" altLang="ko-KR" sz="1400" dirty="0">
+                <a:latin typeface="나눔스퀘어" panose="020B0600000101010101" pitchFamily="50" charset="-127"/>
+                <a:ea typeface="나눔스퀘어" panose="020B0600000101010101" pitchFamily="50" charset="-127"/>
+              </a:rPr>
+              <a:t> -180~180 </a:t>
+            </a:r>
+            <a:r>
+              <a:rPr lang="ko-KR" altLang="en-US" sz="1400" dirty="0">
+                <a:latin typeface="나눔스퀘어" panose="020B0600000101010101" pitchFamily="50" charset="-127"/>
+                <a:ea typeface="나눔스퀘어" panose="020B0600000101010101" pitchFamily="50" charset="-127"/>
+              </a:rPr>
+              <a:t>사이에서 </a:t>
+            </a:r>
+            <a:r>
+              <a:rPr lang="en-US" altLang="ko-KR" sz="1400" dirty="0">
+                <a:latin typeface="나눔스퀘어" panose="020B0600000101010101" pitchFamily="50" charset="-127"/>
+                <a:ea typeface="나눔스퀘어" panose="020B0600000101010101" pitchFamily="50" charset="-127"/>
+              </a:rPr>
+              <a:t>0</a:t>
+            </a:r>
+            <a:r>
+              <a:rPr lang="ko-KR" altLang="en-US" sz="1400" dirty="0">
+                <a:latin typeface="나눔스퀘어" panose="020B0600000101010101" pitchFamily="50" charset="-127"/>
+                <a:ea typeface="나눔스퀘어" panose="020B0600000101010101" pitchFamily="50" charset="-127"/>
+              </a:rPr>
+              <a:t>도에서 </a:t>
+            </a:r>
+            <a:r>
+              <a:rPr lang="en-US" altLang="ko-KR" sz="1400" dirty="0">
+                <a:latin typeface="나눔스퀘어" panose="020B0600000101010101" pitchFamily="50" charset="-127"/>
+                <a:ea typeface="나눔스퀘어" panose="020B0600000101010101" pitchFamily="50" charset="-127"/>
+              </a:rPr>
+              <a:t>360</a:t>
+            </a:r>
+            <a:r>
+              <a:rPr lang="ko-KR" altLang="en-US" sz="1400" dirty="0">
+                <a:latin typeface="나눔스퀘어" panose="020B0600000101010101" pitchFamily="50" charset="-127"/>
+                <a:ea typeface="나눔스퀘어" panose="020B0600000101010101" pitchFamily="50" charset="-127"/>
+              </a:rPr>
+              <a:t>도로 바꿨습니다</a:t>
+            </a:r>
+            <a:r>
+              <a:rPr lang="en-US" altLang="ko-KR" sz="1400" dirty="0">
+                <a:latin typeface="나눔스퀘어" panose="020B0600000101010101" pitchFamily="50" charset="-127"/>
+                <a:ea typeface="나눔스퀘어" panose="020B0600000101010101" pitchFamily="50" charset="-127"/>
+              </a:rPr>
+              <a:t>.</a:t>
+            </a:r>
+          </a:p>
+          <a:p>
+            <a:endParaRPr lang="ko-KR" altLang="en-US" sz="1400" dirty="0">
+              <a:latin typeface="나눔스퀘어" panose="020B0600000101010101" pitchFamily="50" charset="-127"/>
+              <a:ea typeface="나눔스퀘어" panose="020B0600000101010101" pitchFamily="50" charset="-127"/>
+            </a:endParaRPr>
+          </a:p>
+        </p:txBody>
+      </p:sp>
+      <p:sp>
+        <p:nvSpPr>
+          <p:cNvPr id="9" name="TextBox 8">
+            <a:extLst>
+              <a:ext uri="{FF2B5EF4-FFF2-40B4-BE49-F238E27FC236}">
+                <a16:creationId xmlns:a16="http://schemas.microsoft.com/office/drawing/2014/main" id="{DDA1BFBF-6804-4CC9-2D37-D26F6A24C6C9}"/>
+              </a:ext>
+            </a:extLst>
+          </p:cNvPr>
+          <p:cNvSpPr txBox="1"/>
+          <p:nvPr/>
+        </p:nvSpPr>
+        <p:spPr>
+          <a:xfrm>
+            <a:off x="6332051" y="2917402"/>
+            <a:ext cx="5785658" cy="3483394"/>
+          </a:xfrm>
+          <a:prstGeom prst="rect">
+            <a:avLst/>
+          </a:prstGeom>
+        </p:spPr>
+        <p:txBody>
+          <a:bodyPr vert="horz" lIns="0" tIns="0" rIns="0" bIns="0" rtlCol="0" anchor="t">
+            <a:normAutofit/>
+          </a:bodyPr>
+          <a:lstStyle/>
+          <a:p>
+            <a:pPr indent="-228600" latinLnBrk="0">
+              <a:lnSpc>
+                <a:spcPct val="120000"/>
+              </a:lnSpc>
+              <a:spcAft>
+                <a:spcPts val="600"/>
+              </a:spcAft>
+              <a:buFont typeface="Arial" panose="020B0604020202020204" pitchFamily="34" charset="0"/>
+              <a:buChar char="•"/>
+            </a:pPr>
             <a:endParaRPr lang="en-US" altLang="ko-KR" sz="1400" dirty="0">
               <a:latin typeface="나눔스퀘어" panose="020B0600000101010101" pitchFamily="50" charset="-127"/>
               <a:ea typeface="나눔스퀘어" panose="020B0600000101010101" pitchFamily="50" charset="-127"/>
             </a:endParaRPr>
           </a:p>
           <a:p>
+            <a:pPr indent="-228600" latinLnBrk="0">
+              <a:lnSpc>
+                <a:spcPct val="120000"/>
+              </a:lnSpc>
+              <a:spcAft>
+                <a:spcPts val="600"/>
+              </a:spcAft>
+              <a:buFont typeface="Arial" panose="020B0604020202020204" pitchFamily="34" charset="0"/>
+              <a:buChar char="•"/>
+            </a:pPr>
+            <a:r>
+              <a:rPr lang="ko-KR" altLang="en-US" sz="1400" dirty="0">
+                <a:latin typeface="나눔스퀘어" panose="020B0600000101010101" pitchFamily="50" charset="-127"/>
+                <a:ea typeface="나눔스퀘어" panose="020B0600000101010101" pitchFamily="50" charset="-127"/>
+              </a:rPr>
+              <a:t>처음에는 </a:t>
+            </a:r>
+            <a:r>
+              <a:rPr lang="en-US" altLang="ko-KR" sz="1400" dirty="0" err="1">
+                <a:latin typeface="나눔스퀘어" panose="020B0600000101010101" pitchFamily="50" charset="-127"/>
+                <a:ea typeface="나눔스퀘어" panose="020B0600000101010101" pitchFamily="50" charset="-127"/>
+              </a:rPr>
+              <a:t>geoplot</a:t>
+            </a:r>
+            <a:r>
+              <a:rPr lang="ko-KR" altLang="en-US" sz="1400" dirty="0">
+                <a:latin typeface="나눔스퀘어" panose="020B0600000101010101" pitchFamily="50" charset="-127"/>
+                <a:ea typeface="나눔스퀘어" panose="020B0600000101010101" pitchFamily="50" charset="-127"/>
+              </a:rPr>
+              <a:t>을 통해서 </a:t>
+            </a:r>
             <a:r>
               <a:rPr lang="en-US" altLang="ko-KR" sz="1400" dirty="0">
                 <a:latin typeface="나눔스퀘어" panose="020B0600000101010101" pitchFamily="50" charset="-127"/>
                 <a:ea typeface="나눔스퀘어" panose="020B0600000101010101" pitchFamily="50" charset="-127"/>
               </a:rPr>
-              <a:t>-180~180 </a:t>
+              <a:t>ground track</a:t>
             </a:r>
             <a:r>
               <a:rPr lang="ko-KR" altLang="en-US" sz="1400" dirty="0">
                 <a:latin typeface="나눔스퀘어" panose="020B0600000101010101" pitchFamily="50" charset="-127"/>
                 <a:ea typeface="나눔스퀘어" panose="020B0600000101010101" pitchFamily="50" charset="-127"/>
               </a:rPr>
-              <a:t>사이에서 </a:t>
+              <a:t>을 출력하였으나</a:t>
             </a:r>
             <a:r>
               <a:rPr lang="en-US" altLang="ko-KR" sz="1400" dirty="0">
                 <a:latin typeface="나눔스퀘어" panose="020B0600000101010101" pitchFamily="50" charset="-127"/>
                 <a:ea typeface="나눔스퀘어" panose="020B0600000101010101" pitchFamily="50" charset="-127"/>
               </a:rPr>
-              <a:t>0</a:t>
+              <a:t>, Ground Track </a:t>
             </a:r>
             <a:r>
               <a:rPr lang="ko-KR" altLang="en-US" sz="1400" dirty="0">
                 <a:latin typeface="나눔스퀘어" panose="020B0600000101010101" pitchFamily="50" charset="-127"/>
                 <a:ea typeface="나눔스퀘어" panose="020B0600000101010101" pitchFamily="50" charset="-127"/>
               </a:rPr>
+              <a:t>출력 시 </a:t>
+            </a:r>
+            <a:r>
+              <a:rPr lang="en-US" altLang="ko-KR" sz="1400" dirty="0">
+                <a:latin typeface="나눔스퀘어" panose="020B0600000101010101" pitchFamily="50" charset="-127"/>
+                <a:ea typeface="나눔스퀘어" panose="020B0600000101010101" pitchFamily="50" charset="-127"/>
+              </a:rPr>
+              <a:t>-170</a:t>
+            </a:r>
+            <a:r>
+              <a:rPr lang="ko-KR" altLang="en-US" sz="1400" dirty="0">
+                <a:latin typeface="나눔스퀘어" panose="020B0600000101010101" pitchFamily="50" charset="-127"/>
+                <a:ea typeface="나눔스퀘어" panose="020B0600000101010101" pitchFamily="50" charset="-127"/>
+              </a:rPr>
               <a:t>도에서 </a:t>
             </a:r>
             <a:r>
@@ -6201,25 +6233,290 @@
                 <a:latin typeface="나눔스퀘어" panose="020B0600000101010101" pitchFamily="50" charset="-127"/>
                 <a:ea typeface="나눔스퀘어" panose="020B0600000101010101" pitchFamily="50" charset="-127"/>
               </a:rPr>
-              <a:t>360</a:t>
+              <a:t>170</a:t>
             </a:r>
             <a:r>
               <a:rPr lang="ko-KR" altLang="en-US" sz="1400" dirty="0">
                 <a:latin typeface="나눔스퀘어" panose="020B0600000101010101" pitchFamily="50" charset="-127"/>
                 <a:ea typeface="나눔스퀘어" panose="020B0600000101010101" pitchFamily="50" charset="-127"/>
               </a:rPr>
-              <a:t>도로 바꿨습니다</a:t>
+              <a:t>도 사이로 이동할 때 직선이 생기는 오류가 나타났습니다</a:t>
             </a:r>
             <a:r>
               <a:rPr lang="en-US" altLang="ko-KR" sz="1400" dirty="0">
                 <a:latin typeface="나눔스퀘어" panose="020B0600000101010101" pitchFamily="50" charset="-127"/>
                 <a:ea typeface="나눔스퀘어" panose="020B0600000101010101" pitchFamily="50" charset="-127"/>
               </a:rPr>
+              <a:t>. </a:t>
+            </a:r>
+            <a:r>
+              <a:rPr lang="ko-KR" altLang="en-US" sz="1400" dirty="0">
+                <a:latin typeface="나눔스퀘어" panose="020B0600000101010101" pitchFamily="50" charset="-127"/>
+                <a:ea typeface="나눔스퀘어" panose="020B0600000101010101" pitchFamily="50" charset="-127"/>
+              </a:rPr>
+              <a:t>이때의 오류를 잡기 위해 해당 코드처럼 해당 지점 기준으로 나누어 </a:t>
+            </a:r>
+            <a:r>
+              <a:rPr lang="en-US" altLang="ko-KR" sz="1400" dirty="0">
+                <a:latin typeface="나눔스퀘어" panose="020B0600000101010101" pitchFamily="50" charset="-127"/>
+                <a:ea typeface="나눔스퀘어" panose="020B0600000101010101" pitchFamily="50" charset="-127"/>
+              </a:rPr>
+              <a:t>plot</a:t>
+            </a:r>
+            <a:r>
+              <a:rPr lang="ko-KR" altLang="en-US" sz="1400" dirty="0">
+                <a:latin typeface="나눔스퀘어" panose="020B0600000101010101" pitchFamily="50" charset="-127"/>
+                <a:ea typeface="나눔스퀘어" panose="020B0600000101010101" pitchFamily="50" charset="-127"/>
+              </a:rPr>
+              <a:t>을 하도록 바꾸었습니다</a:t>
+            </a:r>
+            <a:r>
+              <a:rPr lang="en-US" altLang="ko-KR" sz="1400" dirty="0">
+                <a:latin typeface="나눔스퀘어" panose="020B0600000101010101" pitchFamily="50" charset="-127"/>
+                <a:ea typeface="나눔스퀘어" panose="020B0600000101010101" pitchFamily="50" charset="-127"/>
+              </a:rPr>
               <a:t>.</a:t>
             </a:r>
           </a:p>
           <a:p>
-            <a:endParaRPr lang="ko-KR" altLang="en-US" sz="1400" dirty="0">
+            <a:pPr indent="-228600" latinLnBrk="0">
+              <a:lnSpc>
+                <a:spcPct val="120000"/>
+              </a:lnSpc>
+              <a:spcAft>
+                <a:spcPts val="600"/>
+              </a:spcAft>
+              <a:buFont typeface="Arial" panose="020B0604020202020204" pitchFamily="34" charset="0"/>
+              <a:buChar char="•"/>
+            </a:pPr>
+            <a:endParaRPr lang="en-US" altLang="ko-KR" sz="1400" dirty="0">
+              <a:latin typeface="나눔스퀘어" panose="020B0600000101010101" pitchFamily="50" charset="-127"/>
+              <a:ea typeface="나눔스퀘어" panose="020B0600000101010101" pitchFamily="50" charset="-127"/>
+            </a:endParaRPr>
+          </a:p>
+          <a:p>
+            <a:pPr indent="-228600" latinLnBrk="0">
+              <a:lnSpc>
+                <a:spcPct val="120000"/>
+              </a:lnSpc>
+              <a:spcAft>
+                <a:spcPts val="600"/>
+              </a:spcAft>
+              <a:buFont typeface="Arial" panose="020B0604020202020204" pitchFamily="34" charset="0"/>
+              <a:buChar char="•"/>
+            </a:pPr>
+            <a:r>
+              <a:rPr lang="en-US" altLang="ko-KR" sz="1400" dirty="0">
+                <a:latin typeface="나눔스퀘어" panose="020B0600000101010101" pitchFamily="50" charset="-127"/>
+                <a:ea typeface="나눔스퀘어" panose="020B0600000101010101" pitchFamily="50" charset="-127"/>
+              </a:rPr>
+              <a:t>plot </a:t>
+            </a:r>
+            <a:r>
+              <a:rPr lang="ko-KR" altLang="en-US" sz="1400" dirty="0">
+                <a:latin typeface="나눔스퀘어" panose="020B0600000101010101" pitchFamily="50" charset="-127"/>
+                <a:ea typeface="나눔스퀘어" panose="020B0600000101010101" pitchFamily="50" charset="-127"/>
+              </a:rPr>
+              <a:t>시 </a:t>
+            </a:r>
+            <a:r>
+              <a:rPr lang="en-US" altLang="ko-KR" sz="1400" dirty="0" err="1">
+                <a:latin typeface="나눔스퀘어" panose="020B0600000101010101" pitchFamily="50" charset="-127"/>
+                <a:ea typeface="나눔스퀘어" panose="020B0600000101010101" pitchFamily="50" charset="-127"/>
+              </a:rPr>
+              <a:t>xLim</a:t>
+            </a:r>
+            <a:r>
+              <a:rPr lang="en-US" altLang="ko-KR" sz="1400" dirty="0">
+                <a:latin typeface="나눔스퀘어" panose="020B0600000101010101" pitchFamily="50" charset="-127"/>
+                <a:ea typeface="나눔스퀘어" panose="020B0600000101010101" pitchFamily="50" charset="-127"/>
+              </a:rPr>
+              <a:t> </a:t>
+            </a:r>
+            <a:r>
+              <a:rPr lang="en-US" altLang="ko-KR" sz="1400" dirty="0" err="1">
+                <a:latin typeface="나눔스퀘어" panose="020B0600000101010101" pitchFamily="50" charset="-127"/>
+                <a:ea typeface="나눔스퀘어" panose="020B0600000101010101" pitchFamily="50" charset="-127"/>
+              </a:rPr>
+              <a:t>YLim</a:t>
+            </a:r>
+            <a:r>
+              <a:rPr lang="ko-KR" altLang="en-US" sz="1400" dirty="0">
+                <a:latin typeface="나눔스퀘어" panose="020B0600000101010101" pitchFamily="50" charset="-127"/>
+                <a:ea typeface="나눔스퀘어" panose="020B0600000101010101" pitchFamily="50" charset="-127"/>
+              </a:rPr>
+              <a:t>으로 제한하여 </a:t>
+            </a:r>
+            <a:r>
+              <a:rPr lang="en-US" altLang="ko-KR" sz="1400" dirty="0">
+                <a:latin typeface="나눔스퀘어" panose="020B0600000101010101" pitchFamily="50" charset="-127"/>
+                <a:ea typeface="나눔스퀘어" panose="020B0600000101010101" pitchFamily="50" charset="-127"/>
+              </a:rPr>
+              <a:t>Plot</a:t>
+            </a:r>
+            <a:r>
+              <a:rPr lang="ko-KR" altLang="en-US" sz="1400" dirty="0">
+                <a:latin typeface="나눔스퀘어" panose="020B0600000101010101" pitchFamily="50" charset="-127"/>
+                <a:ea typeface="나눔스퀘어" panose="020B0600000101010101" pitchFamily="50" charset="-127"/>
+              </a:rPr>
+              <a:t>을 진행하였으며</a:t>
+            </a:r>
+            <a:r>
+              <a:rPr lang="en-US" altLang="ko-KR" sz="1400" dirty="0">
+                <a:latin typeface="나눔스퀘어" panose="020B0600000101010101" pitchFamily="50" charset="-127"/>
+                <a:ea typeface="나눔스퀘어" panose="020B0600000101010101" pitchFamily="50" charset="-127"/>
+              </a:rPr>
+              <a:t>,</a:t>
+            </a:r>
+          </a:p>
+          <a:p>
+            <a:pPr indent="-228600" latinLnBrk="0">
+              <a:lnSpc>
+                <a:spcPct val="120000"/>
+              </a:lnSpc>
+              <a:spcAft>
+                <a:spcPts val="600"/>
+              </a:spcAft>
+              <a:buFont typeface="Arial" panose="020B0604020202020204" pitchFamily="34" charset="0"/>
+              <a:buChar char="•"/>
+            </a:pPr>
+            <a:r>
+              <a:rPr lang="en-US" altLang="ko-KR" sz="1400" dirty="0">
+                <a:latin typeface="나눔스퀘어" panose="020B0600000101010101" pitchFamily="50" charset="-127"/>
+                <a:ea typeface="나눔스퀘어" panose="020B0600000101010101" pitchFamily="50" charset="-127"/>
+              </a:rPr>
+              <a:t>Background image</a:t>
+            </a:r>
+            <a:r>
+              <a:rPr lang="ko-KR" altLang="en-US" sz="1400" dirty="0">
+                <a:latin typeface="나눔스퀘어" panose="020B0600000101010101" pitchFamily="50" charset="-127"/>
+                <a:ea typeface="나눔스퀘어" panose="020B0600000101010101" pitchFamily="50" charset="-127"/>
+              </a:rPr>
+              <a:t> 로드 시 </a:t>
+            </a:r>
+            <a:r>
+              <a:rPr lang="en-US" altLang="ko-KR" sz="1400" dirty="0">
+                <a:latin typeface="나눔스퀘어" panose="020B0600000101010101" pitchFamily="50" charset="-127"/>
+                <a:ea typeface="나눔스퀘어" panose="020B0600000101010101" pitchFamily="50" charset="-127"/>
+              </a:rPr>
+              <a:t>Plot</a:t>
+            </a:r>
+            <a:r>
+              <a:rPr lang="ko-KR" altLang="en-US" sz="1400" dirty="0">
+                <a:latin typeface="나눔스퀘어" panose="020B0600000101010101" pitchFamily="50" charset="-127"/>
+                <a:ea typeface="나눔스퀘어" panose="020B0600000101010101" pitchFamily="50" charset="-127"/>
+              </a:rPr>
+              <a:t>한 그림 위에 사진이 올라가 현재 주석 처리 하였습니다</a:t>
+            </a:r>
+            <a:r>
+              <a:rPr lang="en-US" altLang="ko-KR" sz="1400" dirty="0">
+                <a:latin typeface="나눔스퀘어" panose="020B0600000101010101" pitchFamily="50" charset="-127"/>
+                <a:ea typeface="나눔스퀘어" panose="020B0600000101010101" pitchFamily="50" charset="-127"/>
+              </a:rPr>
+              <a:t>.</a:t>
+            </a:r>
+          </a:p>
+          <a:p>
+            <a:pPr indent="-228600" latinLnBrk="0">
+              <a:lnSpc>
+                <a:spcPct val="120000"/>
+              </a:lnSpc>
+              <a:spcAft>
+                <a:spcPts val="600"/>
+              </a:spcAft>
+              <a:buFont typeface="Arial" panose="020B0604020202020204" pitchFamily="34" charset="0"/>
+              <a:buChar char="•"/>
+            </a:pPr>
+            <a:r>
+              <a:rPr lang="en-US" altLang="ko-KR" sz="1400" dirty="0" err="1">
+                <a:latin typeface="나눔스퀘어" panose="020B0600000101010101" pitchFamily="50" charset="-127"/>
+                <a:ea typeface="나눔스퀘어" panose="020B0600000101010101" pitchFamily="50" charset="-127"/>
+              </a:rPr>
+              <a:t>Skyplot</a:t>
+            </a:r>
+            <a:r>
+              <a:rPr lang="ko-KR" altLang="en-US" sz="1400" dirty="0">
+                <a:latin typeface="나눔스퀘어" panose="020B0600000101010101" pitchFamily="50" charset="-127"/>
+                <a:ea typeface="나눔스퀘어" panose="020B0600000101010101" pitchFamily="50" charset="-127"/>
+              </a:rPr>
+              <a:t>과 </a:t>
+            </a:r>
+            <a:r>
+              <a:rPr lang="en-US" altLang="ko-KR" sz="1400" dirty="0">
+                <a:latin typeface="나눔스퀘어" panose="020B0600000101010101" pitchFamily="50" charset="-127"/>
+                <a:ea typeface="나눔스퀘어" panose="020B0600000101010101" pitchFamily="50" charset="-127"/>
+              </a:rPr>
+              <a:t>plot3</a:t>
+            </a:r>
+            <a:r>
+              <a:rPr lang="ko-KR" altLang="en-US" sz="1400" dirty="0">
+                <a:latin typeface="나눔스퀘어" panose="020B0600000101010101" pitchFamily="50" charset="-127"/>
+                <a:ea typeface="나눔스퀘어" panose="020B0600000101010101" pitchFamily="50" charset="-127"/>
+              </a:rPr>
+              <a:t>로 관측자 지점에서</a:t>
+            </a:r>
+            <a:r>
+              <a:rPr lang="en-US" altLang="ko-KR" sz="1400" dirty="0">
+                <a:latin typeface="나눔스퀘어" panose="020B0600000101010101" pitchFamily="50" charset="-127"/>
+                <a:ea typeface="나눔스퀘어" panose="020B0600000101010101" pitchFamily="50" charset="-127"/>
+              </a:rPr>
+              <a:t>, ECI frame </a:t>
+            </a:r>
+            <a:r>
+              <a:rPr lang="ko-KR" altLang="en-US" sz="1400" dirty="0">
+                <a:latin typeface="나눔스퀘어" panose="020B0600000101010101" pitchFamily="50" charset="-127"/>
+                <a:ea typeface="나눔스퀘어" panose="020B0600000101010101" pitchFamily="50" charset="-127"/>
+              </a:rPr>
+              <a:t>상에서 각각 </a:t>
+            </a:r>
+            <a:r>
+              <a:rPr lang="en-US" altLang="ko-KR" sz="1400" dirty="0">
+                <a:latin typeface="나눔스퀘어" panose="020B0600000101010101" pitchFamily="50" charset="-127"/>
+                <a:ea typeface="나눔스퀘어" panose="020B0600000101010101" pitchFamily="50" charset="-127"/>
+              </a:rPr>
+              <a:t>plot </a:t>
+            </a:r>
+            <a:r>
+              <a:rPr lang="ko-KR" altLang="en-US" sz="1400" dirty="0">
+                <a:latin typeface="나눔스퀘어" panose="020B0600000101010101" pitchFamily="50" charset="-127"/>
+                <a:ea typeface="나눔스퀘어" panose="020B0600000101010101" pitchFamily="50" charset="-127"/>
+              </a:rPr>
+              <a:t>하였습니다</a:t>
+            </a:r>
+            <a:r>
+              <a:rPr lang="en-US" altLang="ko-KR" sz="1400" dirty="0">
+                <a:latin typeface="나눔스퀘어" panose="020B0600000101010101" pitchFamily="50" charset="-127"/>
+                <a:ea typeface="나눔스퀘어" panose="020B0600000101010101" pitchFamily="50" charset="-127"/>
+              </a:rPr>
+              <a:t>.</a:t>
+            </a:r>
+          </a:p>
+          <a:p>
+            <a:pPr latinLnBrk="0">
+              <a:lnSpc>
+                <a:spcPct val="120000"/>
+              </a:lnSpc>
+              <a:spcAft>
+                <a:spcPts val="600"/>
+              </a:spcAft>
+            </a:pPr>
+            <a:endParaRPr lang="en-US" altLang="ko-KR" sz="1400" dirty="0">
+              <a:latin typeface="나눔스퀘어" panose="020B0600000101010101" pitchFamily="50" charset="-127"/>
+              <a:ea typeface="나눔스퀘어" panose="020B0600000101010101" pitchFamily="50" charset="-127"/>
+            </a:endParaRPr>
+          </a:p>
+          <a:p>
+            <a:pPr indent="-228600" latinLnBrk="0">
+              <a:lnSpc>
+                <a:spcPct val="120000"/>
+              </a:lnSpc>
+              <a:spcAft>
+                <a:spcPts val="600"/>
+              </a:spcAft>
+              <a:buFont typeface="Arial" panose="020B0604020202020204" pitchFamily="34" charset="0"/>
+              <a:buChar char="•"/>
+            </a:pPr>
+            <a:endParaRPr lang="en-US" altLang="ko-KR" sz="1400" dirty="0">
               <a:latin typeface="나눔스퀘어" panose="020B0600000101010101" pitchFamily="50" charset="-127"/>
               <a:ea typeface="나눔스퀘어" panose="020B0600000101010101" pitchFamily="50" charset="-127"/>
             </a:endParaRPr>
@@ -6293,12 +6590,164 @@
           </a:p>
         </p:txBody>
       </p:sp>
+      <p:sp>
+        <p:nvSpPr>
+          <p:cNvPr id="3" name="TextBox 2">
+            <a:extLst>
+              <a:ext uri="{FF2B5EF4-FFF2-40B4-BE49-F238E27FC236}">
+                <a16:creationId xmlns:a16="http://schemas.microsoft.com/office/drawing/2014/main" id="{52C1B1D6-0931-6F13-F973-746C0B72BB8E}"/>
+              </a:ext>
+            </a:extLst>
+          </p:cNvPr>
+          <p:cNvSpPr txBox="1"/>
+          <p:nvPr/>
+        </p:nvSpPr>
+        <p:spPr>
+          <a:xfrm>
+            <a:off x="1857671" y="1160005"/>
+            <a:ext cx="603050" cy="369332"/>
+          </a:xfrm>
+          <a:prstGeom prst="rect">
+            <a:avLst/>
+          </a:prstGeom>
+          <a:noFill/>
+        </p:spPr>
+        <p:txBody>
+          <a:bodyPr wrap="none" rtlCol="0">
+            <a:spAutoFit/>
+          </a:bodyPr>
+          <a:lstStyle/>
+          <a:p>
+            <a:r>
+              <a:rPr lang="en-US" altLang="ko-KR" dirty="0"/>
+              <a:t>GPS</a:t>
+            </a:r>
+            <a:endParaRPr lang="ko-KR" altLang="en-US" dirty="0"/>
+          </a:p>
+        </p:txBody>
+      </p:sp>
+      <p:sp>
+        <p:nvSpPr>
+          <p:cNvPr id="4" name="TextBox 3">
+            <a:extLst>
+              <a:ext uri="{FF2B5EF4-FFF2-40B4-BE49-F238E27FC236}">
+                <a16:creationId xmlns:a16="http://schemas.microsoft.com/office/drawing/2014/main" id="{9376E109-EC01-24D5-12A4-7B4B0551AA4A}"/>
+              </a:ext>
+            </a:extLst>
+          </p:cNvPr>
+          <p:cNvSpPr txBox="1"/>
+          <p:nvPr/>
+        </p:nvSpPr>
+        <p:spPr>
+          <a:xfrm>
+            <a:off x="5725321" y="1160005"/>
+            <a:ext cx="741357" cy="369332"/>
+          </a:xfrm>
+          <a:prstGeom prst="rect">
+            <a:avLst/>
+          </a:prstGeom>
+          <a:noFill/>
+        </p:spPr>
+        <p:txBody>
+          <a:bodyPr wrap="none" rtlCol="0">
+            <a:spAutoFit/>
+          </a:bodyPr>
+          <a:lstStyle/>
+          <a:p>
+            <a:r>
+              <a:rPr lang="en-US" altLang="ko-KR" dirty="0"/>
+              <a:t>QZSS</a:t>
+            </a:r>
+            <a:endParaRPr lang="ko-KR" altLang="en-US" dirty="0"/>
+          </a:p>
+        </p:txBody>
+      </p:sp>
+      <p:sp>
+        <p:nvSpPr>
+          <p:cNvPr id="5" name="TextBox 4">
+            <a:extLst>
+              <a:ext uri="{FF2B5EF4-FFF2-40B4-BE49-F238E27FC236}">
+                <a16:creationId xmlns:a16="http://schemas.microsoft.com/office/drawing/2014/main" id="{EAC6AD02-84ED-F9C5-9121-FE3758DD3DE8}"/>
+              </a:ext>
+            </a:extLst>
+          </p:cNvPr>
+          <p:cNvSpPr txBox="1"/>
+          <p:nvPr/>
+        </p:nvSpPr>
+        <p:spPr>
+          <a:xfrm>
+            <a:off x="9724867" y="1160005"/>
+            <a:ext cx="609462" cy="369332"/>
+          </a:xfrm>
+          <a:prstGeom prst="rect">
+            <a:avLst/>
+          </a:prstGeom>
+          <a:noFill/>
+        </p:spPr>
+        <p:txBody>
+          <a:bodyPr wrap="none" rtlCol="0">
+            <a:spAutoFit/>
+          </a:bodyPr>
+          <a:lstStyle/>
+          <a:p>
+            <a:r>
+              <a:rPr lang="en-US" altLang="ko-KR" dirty="0"/>
+              <a:t>BDS</a:t>
+            </a:r>
+            <a:endParaRPr lang="ko-KR" altLang="en-US" dirty="0"/>
+          </a:p>
+        </p:txBody>
+      </p:sp>
+      <p:sp>
+        <p:nvSpPr>
+          <p:cNvPr id="6" name="TextBox 5">
+            <a:extLst>
+              <a:ext uri="{FF2B5EF4-FFF2-40B4-BE49-F238E27FC236}">
+                <a16:creationId xmlns:a16="http://schemas.microsoft.com/office/drawing/2014/main" id="{BD4212ED-8A83-16E5-4A04-F7EB63C205D9}"/>
+              </a:ext>
+            </a:extLst>
+          </p:cNvPr>
+          <p:cNvSpPr txBox="1"/>
+          <p:nvPr/>
+        </p:nvSpPr>
+        <p:spPr>
+          <a:xfrm>
+            <a:off x="2759568" y="5225143"/>
+            <a:ext cx="6923690" cy="369332"/>
+          </a:xfrm>
+          <a:prstGeom prst="rect">
+            <a:avLst/>
+          </a:prstGeom>
+          <a:noFill/>
+        </p:spPr>
+        <p:txBody>
+          <a:bodyPr wrap="none" rtlCol="0">
+            <a:spAutoFit/>
+          </a:bodyPr>
+          <a:lstStyle/>
+          <a:p>
+            <a:r>
+              <a:rPr lang="en-US" altLang="ko-KR" dirty="0"/>
+              <a:t>longitude 127 deg, latitude 37 deg, H 1 deg</a:t>
+            </a:r>
+            <a:r>
+              <a:rPr lang="ko-KR" altLang="en-US" dirty="0"/>
+              <a:t>일 때의 결과입니다</a:t>
+            </a:r>
+            <a:r>
+              <a:rPr lang="en-US" altLang="ko-KR" dirty="0"/>
+              <a:t>.</a:t>
+            </a:r>
+            <a:endParaRPr lang="ko-KR" altLang="en-US" dirty="0"/>
+          </a:p>
+        </p:txBody>
+      </p:sp>
       <p:pic>
         <p:nvPicPr>
-          <p:cNvPr id="7" name="내용 개체 틀 6">
-            <a:extLst>
-              <a:ext uri="{FF2B5EF4-FFF2-40B4-BE49-F238E27FC236}">
-                <a16:creationId xmlns:a16="http://schemas.microsoft.com/office/drawing/2014/main" id="{DF446D42-CD57-2A6E-7997-27F648F2D7AC}"/>
+          <p:cNvPr id="16" name="내용 개체 틀 15">
+            <a:extLst>
+              <a:ext uri="{FF2B5EF4-FFF2-40B4-BE49-F238E27FC236}">
+                <a16:creationId xmlns:a16="http://schemas.microsoft.com/office/drawing/2014/main" id="{96F3315C-DC56-B9D2-71FA-40EE87B2CB01}"/>
               </a:ext>
             </a:extLst>
           </p:cNvPr>
@@ -6318,16 +6767,19 @@
         <p:spPr>
           <a:xfrm>
             <a:off x="351451" y="1723058"/>
-            <a:ext cx="3615490" cy="2818915"/>
+            <a:ext cx="3615489" cy="2818914"/>
           </a:xfrm>
+          <a:prstGeom prst="rect">
+            <a:avLst/>
+          </a:prstGeom>
         </p:spPr>
       </p:pic>
       <p:pic>
         <p:nvPicPr>
-          <p:cNvPr id="9" name="그림 8">
-            <a:extLst>
-              <a:ext uri="{FF2B5EF4-FFF2-40B4-BE49-F238E27FC236}">
-                <a16:creationId xmlns:a16="http://schemas.microsoft.com/office/drawing/2014/main" id="{7660FCBF-C5BE-AE6F-2BFA-4C830D4D61D7}"/>
+          <p:cNvPr id="18" name="그림 17">
+            <a:extLst>
+              <a:ext uri="{FF2B5EF4-FFF2-40B4-BE49-F238E27FC236}">
+                <a16:creationId xmlns:a16="http://schemas.microsoft.com/office/drawing/2014/main" id="{F4AAAA0C-8AF9-3D6D-8CD0-6393135509E5}"/>
               </a:ext>
             </a:extLst>
           </p:cNvPr>
@@ -6344,7 +6796,7 @@
         </p:blipFill>
         <p:spPr>
           <a:xfrm>
-            <a:off x="4288256" y="1723058"/>
+            <a:off x="4272605" y="1723058"/>
             <a:ext cx="3615489" cy="2818914"/>
           </a:xfrm>
           <a:prstGeom prst="rect">
@@ -6354,10 +6806,10 @@
       </p:pic>
       <p:pic>
         <p:nvPicPr>
-          <p:cNvPr id="11" name="그림 10">
-            <a:extLst>
-              <a:ext uri="{FF2B5EF4-FFF2-40B4-BE49-F238E27FC236}">
-                <a16:creationId xmlns:a16="http://schemas.microsoft.com/office/drawing/2014/main" id="{FE5CAAC2-E95A-9912-262A-2B88BB27669F}"/>
+          <p:cNvPr id="20" name="그림 19">
+            <a:extLst>
+              <a:ext uri="{FF2B5EF4-FFF2-40B4-BE49-F238E27FC236}">
+                <a16:creationId xmlns:a16="http://schemas.microsoft.com/office/drawing/2014/main" id="{BBD41ED1-0D27-D1C3-F25A-7A7B57D39D01}"/>
               </a:ext>
             </a:extLst>
           </p:cNvPr>
@@ -6374,158 +6826,14 @@
         </p:blipFill>
         <p:spPr>
           <a:xfrm>
-            <a:off x="8225060" y="1723058"/>
-            <a:ext cx="3615489" cy="2818914"/>
+            <a:off x="8193759" y="1723058"/>
+            <a:ext cx="3682479" cy="2871144"/>
           </a:xfrm>
           <a:prstGeom prst="rect">
             <a:avLst/>
           </a:prstGeom>
         </p:spPr>
       </p:pic>
-      <p:sp>
-        <p:nvSpPr>
-          <p:cNvPr id="3" name="TextBox 2">
-            <a:extLst>
-              <a:ext uri="{FF2B5EF4-FFF2-40B4-BE49-F238E27FC236}">
-                <a16:creationId xmlns:a16="http://schemas.microsoft.com/office/drawing/2014/main" id="{52C1B1D6-0931-6F13-F973-746C0B72BB8E}"/>
-              </a:ext>
-            </a:extLst>
-          </p:cNvPr>
-          <p:cNvSpPr txBox="1"/>
-          <p:nvPr/>
-        </p:nvSpPr>
-        <p:spPr>
-          <a:xfrm>
-            <a:off x="1857671" y="1160005"/>
-            <a:ext cx="603050" cy="369332"/>
-          </a:xfrm>
-          <a:prstGeom prst="rect">
-            <a:avLst/>
-          </a:prstGeom>
-          <a:noFill/>
-        </p:spPr>
-        <p:txBody>
-          <a:bodyPr wrap="none" rtlCol="0">
-            <a:spAutoFit/>
-          </a:bodyPr>
-          <a:lstStyle/>
-          <a:p>
-            <a:r>
-              <a:rPr lang="en-US" altLang="ko-KR" dirty="0"/>
-              <a:t>GPS</a:t>
-            </a:r>
-            <a:endParaRPr lang="ko-KR" altLang="en-US" dirty="0"/>
-          </a:p>
-        </p:txBody>
-      </p:sp>
-      <p:sp>
-        <p:nvSpPr>
-          <p:cNvPr id="4" name="TextBox 3">
-            <a:extLst>
-              <a:ext uri="{FF2B5EF4-FFF2-40B4-BE49-F238E27FC236}">
-                <a16:creationId xmlns:a16="http://schemas.microsoft.com/office/drawing/2014/main" id="{9376E109-EC01-24D5-12A4-7B4B0551AA4A}"/>
-              </a:ext>
-            </a:extLst>
-          </p:cNvPr>
-          <p:cNvSpPr txBox="1"/>
-          <p:nvPr/>
-        </p:nvSpPr>
-        <p:spPr>
-          <a:xfrm>
-            <a:off x="5725321" y="1160005"/>
-            <a:ext cx="741357" cy="369332"/>
-          </a:xfrm>
-          <a:prstGeom prst="rect">
-            <a:avLst/>
-          </a:prstGeom>
-          <a:noFill/>
-        </p:spPr>
-        <p:txBody>
-          <a:bodyPr wrap="none" rtlCol="0">
-            <a:spAutoFit/>
-          </a:bodyPr>
-          <a:lstStyle/>
-          <a:p>
-            <a:r>
-              <a:rPr lang="en-US" altLang="ko-KR" dirty="0"/>
-              <a:t>QZSS</a:t>
-            </a:r>
-            <a:endParaRPr lang="ko-KR" altLang="en-US" dirty="0"/>
-          </a:p>
-        </p:txBody>
-      </p:sp>
-      <p:sp>
-        <p:nvSpPr>
-          <p:cNvPr id="5" name="TextBox 4">
-            <a:extLst>
-              <a:ext uri="{FF2B5EF4-FFF2-40B4-BE49-F238E27FC236}">
-                <a16:creationId xmlns:a16="http://schemas.microsoft.com/office/drawing/2014/main" id="{EAC6AD02-84ED-F9C5-9121-FE3758DD3DE8}"/>
-              </a:ext>
-            </a:extLst>
-          </p:cNvPr>
-          <p:cNvSpPr txBox="1"/>
-          <p:nvPr/>
-        </p:nvSpPr>
-        <p:spPr>
-          <a:xfrm>
-            <a:off x="9724867" y="1160005"/>
-            <a:ext cx="609462" cy="369332"/>
-          </a:xfrm>
-          <a:prstGeom prst="rect">
-            <a:avLst/>
-          </a:prstGeom>
-          <a:noFill/>
-        </p:spPr>
-        <p:txBody>
-          <a:bodyPr wrap="none" rtlCol="0">
-            <a:spAutoFit/>
-          </a:bodyPr>
-          <a:lstStyle/>
-          <a:p>
-            <a:r>
-              <a:rPr lang="en-US" altLang="ko-KR" dirty="0"/>
-              <a:t>BDS</a:t>
-            </a:r>
-            <a:endParaRPr lang="ko-KR" altLang="en-US" dirty="0"/>
-          </a:p>
-        </p:txBody>
-      </p:sp>
-      <p:sp>
-        <p:nvSpPr>
-          <p:cNvPr id="6" name="TextBox 5">
-            <a:extLst>
-              <a:ext uri="{FF2B5EF4-FFF2-40B4-BE49-F238E27FC236}">
-                <a16:creationId xmlns:a16="http://schemas.microsoft.com/office/drawing/2014/main" id="{BD4212ED-8A83-16E5-4A04-F7EB63C205D9}"/>
-              </a:ext>
-            </a:extLst>
-          </p:cNvPr>
-          <p:cNvSpPr txBox="1"/>
-          <p:nvPr/>
-        </p:nvSpPr>
-        <p:spPr>
-          <a:xfrm>
-            <a:off x="5797420" y="5480180"/>
-            <a:ext cx="565861" cy="369332"/>
-          </a:xfrm>
-          <a:prstGeom prst="rect">
-            <a:avLst/>
-          </a:prstGeom>
-          <a:noFill/>
-        </p:spPr>
-        <p:txBody>
-          <a:bodyPr wrap="none" rtlCol="0">
-            <a:spAutoFit/>
-          </a:bodyPr>
-          <a:lstStyle/>
-          <a:p>
-            <a:r>
-              <a:rPr lang="en-US" altLang="ko-KR"/>
-              <a:t>test</a:t>
-            </a:r>
-            <a:endParaRPr lang="ko-KR" altLang="en-US"/>
-          </a:p>
-        </p:txBody>
-      </p:sp>
     </p:spTree>
     <p:extLst>
       <p:ext uri="{BB962C8B-B14F-4D97-AF65-F5344CB8AC3E}">
@@ -6699,7 +7007,7 @@
         </p:spPr>
         <p:txBody>
           <a:bodyPr anchor="t">
-            <a:normAutofit/>
+            <a:normAutofit lnSpcReduction="10000"/>
           </a:bodyPr>
           <a:lstStyle/>
           <a:p>
@@ -6712,7 +7020,7 @@
             </a:r>
             <a:r>
               <a:rPr lang="ko-KR" altLang="en-US" sz="1600" dirty="0"/>
-              <a:t>에서 나온 결과를 비교한 결과 상이함을 알 수 있다</a:t>
+              <a:t>에서 나온 결과를 비교한 결과 상이함을 알 수 있습니다</a:t>
             </a:r>
             <a:r>
               <a:rPr lang="en-US" altLang="ko-KR" sz="1600" dirty="0"/>
@@ -6724,30 +7032,69 @@
               <a:buNone/>
             </a:pPr>
             <a:r>
+              <a:rPr lang="en-US" altLang="ko-KR" sz="1600" dirty="0"/>
+              <a:t>Ground Track</a:t>
+            </a:r>
+            <a:r>
               <a:rPr lang="ko-KR" altLang="en-US" sz="1600" dirty="0"/>
-              <a:t>그 이유로는 </a:t>
-            </a:r>
-            <a:endParaRPr lang="en-US" altLang="ko-KR" sz="1600" dirty="0"/>
-          </a:p>
-          <a:p>
-            <a:pPr marL="0" indent="0">
-              <a:buNone/>
-            </a:pPr>
+              <a:t>상 그래프 개형이 기존과 다르며 </a:t>
+            </a:r>
+            <a:r>
+              <a:rPr lang="en-US" altLang="ko-KR" sz="1600" dirty="0" err="1"/>
+              <a:t>Skyplot</a:t>
+            </a:r>
+            <a:r>
+              <a:rPr lang="en-US" altLang="ko-KR" sz="1600" dirty="0"/>
+              <a:t> </a:t>
+            </a:r>
             <a:r>
               <a:rPr lang="ko-KR" altLang="en-US" sz="1600" dirty="0"/>
-              <a:t>첫 번째</a:t>
-            </a:r>
-            <a:endParaRPr lang="en-US" altLang="ko-KR" sz="1600" dirty="0"/>
-          </a:p>
-          <a:p>
-            <a:pPr marL="0" indent="0">
-              <a:buNone/>
-            </a:pPr>
+              <a:t>시 위도 경도의 값의 변화에 따른 변화가 잘못 되었습니다</a:t>
+            </a:r>
+            <a:r>
+              <a:rPr lang="en-US" altLang="ko-KR" sz="1600" dirty="0"/>
+              <a:t>. </a:t>
+            </a:r>
             <a:r>
               <a:rPr lang="ko-KR" altLang="en-US" sz="1600" dirty="0"/>
-              <a:t>두 번째</a:t>
-            </a:r>
-            <a:endParaRPr lang="en-US" altLang="ko-KR" sz="1600" dirty="0"/>
+              <a:t>그 이유로 </a:t>
+            </a:r>
+            <a:r>
+              <a:rPr lang="en-US" altLang="ko-KR" sz="1600" dirty="0"/>
+              <a:t>ECI2ECEF_DCM</a:t>
+            </a:r>
+            <a:r>
+              <a:rPr lang="ko-KR" altLang="en-US" sz="1600" dirty="0"/>
+              <a:t>상에서 에러가 나는 것으로 추정이 됩니다</a:t>
+            </a:r>
+            <a:r>
+              <a:rPr lang="en-US" altLang="ko-KR" sz="1600" dirty="0"/>
+              <a:t>. </a:t>
+            </a:r>
+            <a:r>
+              <a:rPr lang="ko-KR" altLang="en-US" sz="1600" dirty="0"/>
+              <a:t>만약 시간이 더 된다면</a:t>
+            </a:r>
+            <a:r>
+              <a:rPr lang="en-US" altLang="ko-KR" sz="1600" dirty="0"/>
+              <a:t>, </a:t>
+            </a:r>
+            <a:r>
+              <a:rPr lang="ko-KR" altLang="en-US" sz="1600" dirty="0"/>
+              <a:t>더 수정하여 다시 제출하고 싶지만 과제를 제출합니다</a:t>
+            </a:r>
+            <a:r>
+              <a:rPr lang="en-US" altLang="ko-KR" sz="1600" dirty="0"/>
+              <a:t>. </a:t>
+            </a:r>
+            <a:r>
+              <a:rPr lang="ko-KR" altLang="en-US" sz="1600" dirty="0"/>
+              <a:t>이상입니다</a:t>
+            </a:r>
+            <a:r>
+              <a:rPr lang="en-US" altLang="ko-KR" sz="1600" dirty="0"/>
+              <a:t>.</a:t>
+            </a:r>
           </a:p>
           <a:p>
             <a:pPr marL="0" indent="0">
